--- a/Session-1/Session-1.pptx
+++ b/Session-1/Session-1.pptx
@@ -120,6 +120,11 @@
       </a:defRPr>
     </a:lvl9pPr>
   </p:defaultTextStyle>
+  <p:extLst>
+    <p:ext uri="{EFAFB233-063F-42B5-8137-9DF3F51BA10A}">
+      <p15:sldGuideLst xmlns:p15="http://schemas.microsoft.com/office/powerpoint/2012/main"/>
+    </p:ext>
+  </p:extLst>
 </p:presentation>
 </file>
 
@@ -8311,6 +8316,30 @@
               <a:t>ls (“list”)</a:t>
             </a:r>
           </a:p>
+          <a:p>
+            <a:r>
+              <a:rPr lang="en-US" sz="2800" dirty="0">
+                <a:latin typeface="Times New Roman" panose="02020603050405020304" pitchFamily="18" charset="0"/>
+                <a:cs typeface="Times New Roman" panose="02020603050405020304" pitchFamily="18" charset="0"/>
+              </a:rPr>
+              <a:t>The ‘.’ link refers to the directory itself.</a:t>
+            </a:r>
+          </a:p>
+          <a:p>
+            <a:r>
+              <a:rPr lang="en-US" sz="2800" dirty="0">
+                <a:latin typeface="Times New Roman" panose="02020603050405020304" pitchFamily="18" charset="0"/>
+                <a:cs typeface="Times New Roman" panose="02020603050405020304" pitchFamily="18" charset="0"/>
+              </a:rPr>
+              <a:t>The ‘..’ link refers to the directory before it (parent directory)</a:t>
+            </a:r>
+          </a:p>
+          <a:p>
+            <a:endParaRPr lang="en-US" sz="2800" dirty="0">
+              <a:latin typeface="Times New Roman" panose="02020603050405020304" pitchFamily="18" charset="0"/>
+              <a:cs typeface="Times New Roman" panose="02020603050405020304" pitchFamily="18" charset="0"/>
+            </a:endParaRPr>
+          </a:p>
         </p:txBody>
       </p:sp>
     </p:spTree>
@@ -8611,6 +8640,212 @@
                                           <p:spTgt spid="3">
                                             <p:txEl>
                                               <p:pRg st="2" end="2"/>
+                                            </p:txEl>
+                                          </p:spTgt>
+                                        </p:tgtEl>
+                                        <p:attrNameLst>
+                                          <p:attrName>ppt_y</p:attrName>
+                                        </p:attrNameLst>
+                                      </p:cBhvr>
+                                      <p:tavLst>
+                                        <p:tav tm="0">
+                                          <p:val>
+                                            <p:strVal val="1+#ppt_h/2"/>
+                                          </p:val>
+                                        </p:tav>
+                                        <p:tav tm="100000">
+                                          <p:val>
+                                            <p:strVal val="#ppt_y"/>
+                                          </p:val>
+                                        </p:tav>
+                                      </p:tavLst>
+                                    </p:anim>
+                                  </p:childTnLst>
+                                </p:cTn>
+                              </p:par>
+                            </p:childTnLst>
+                          </p:cTn>
+                        </p:par>
+                      </p:childTnLst>
+                    </p:cTn>
+                  </p:par>
+                  <p:par>
+                    <p:cTn id="21" fill="hold">
+                      <p:stCondLst>
+                        <p:cond delay="indefinite"/>
+                      </p:stCondLst>
+                      <p:childTnLst>
+                        <p:par>
+                          <p:cTn id="22" fill="hold">
+                            <p:stCondLst>
+                              <p:cond delay="0"/>
+                            </p:stCondLst>
+                            <p:childTnLst>
+                              <p:par>
+                                <p:cTn id="23" presetID="2" presetClass="entr" presetSubtype="4" fill="hold" grpId="0" nodeType="clickEffect">
+                                  <p:stCondLst>
+                                    <p:cond delay="0"/>
+                                  </p:stCondLst>
+                                  <p:childTnLst>
+                                    <p:set>
+                                      <p:cBhvr>
+                                        <p:cTn id="24" dur="1" fill="hold">
+                                          <p:stCondLst>
+                                            <p:cond delay="0"/>
+                                          </p:stCondLst>
+                                        </p:cTn>
+                                        <p:tgtEl>
+                                          <p:spTgt spid="3">
+                                            <p:txEl>
+                                              <p:pRg st="3" end="3"/>
+                                            </p:txEl>
+                                          </p:spTgt>
+                                        </p:tgtEl>
+                                        <p:attrNameLst>
+                                          <p:attrName>style.visibility</p:attrName>
+                                        </p:attrNameLst>
+                                      </p:cBhvr>
+                                      <p:to>
+                                        <p:strVal val="visible"/>
+                                      </p:to>
+                                    </p:set>
+                                    <p:anim calcmode="lin" valueType="num">
+                                      <p:cBhvr additive="base">
+                                        <p:cTn id="25" dur="500" fill="hold"/>
+                                        <p:tgtEl>
+                                          <p:spTgt spid="3">
+                                            <p:txEl>
+                                              <p:pRg st="3" end="3"/>
+                                            </p:txEl>
+                                          </p:spTgt>
+                                        </p:tgtEl>
+                                        <p:attrNameLst>
+                                          <p:attrName>ppt_x</p:attrName>
+                                        </p:attrNameLst>
+                                      </p:cBhvr>
+                                      <p:tavLst>
+                                        <p:tav tm="0">
+                                          <p:val>
+                                            <p:strVal val="#ppt_x"/>
+                                          </p:val>
+                                        </p:tav>
+                                        <p:tav tm="100000">
+                                          <p:val>
+                                            <p:strVal val="#ppt_x"/>
+                                          </p:val>
+                                        </p:tav>
+                                      </p:tavLst>
+                                    </p:anim>
+                                    <p:anim calcmode="lin" valueType="num">
+                                      <p:cBhvr additive="base">
+                                        <p:cTn id="26" dur="500" fill="hold"/>
+                                        <p:tgtEl>
+                                          <p:spTgt spid="3">
+                                            <p:txEl>
+                                              <p:pRg st="3" end="3"/>
+                                            </p:txEl>
+                                          </p:spTgt>
+                                        </p:tgtEl>
+                                        <p:attrNameLst>
+                                          <p:attrName>ppt_y</p:attrName>
+                                        </p:attrNameLst>
+                                      </p:cBhvr>
+                                      <p:tavLst>
+                                        <p:tav tm="0">
+                                          <p:val>
+                                            <p:strVal val="1+#ppt_h/2"/>
+                                          </p:val>
+                                        </p:tav>
+                                        <p:tav tm="100000">
+                                          <p:val>
+                                            <p:strVal val="#ppt_y"/>
+                                          </p:val>
+                                        </p:tav>
+                                      </p:tavLst>
+                                    </p:anim>
+                                  </p:childTnLst>
+                                </p:cTn>
+                              </p:par>
+                            </p:childTnLst>
+                          </p:cTn>
+                        </p:par>
+                      </p:childTnLst>
+                    </p:cTn>
+                  </p:par>
+                  <p:par>
+                    <p:cTn id="27" fill="hold">
+                      <p:stCondLst>
+                        <p:cond delay="indefinite"/>
+                      </p:stCondLst>
+                      <p:childTnLst>
+                        <p:par>
+                          <p:cTn id="28" fill="hold">
+                            <p:stCondLst>
+                              <p:cond delay="0"/>
+                            </p:stCondLst>
+                            <p:childTnLst>
+                              <p:par>
+                                <p:cTn id="29" presetID="2" presetClass="entr" presetSubtype="4" fill="hold" grpId="0" nodeType="clickEffect">
+                                  <p:stCondLst>
+                                    <p:cond delay="0"/>
+                                  </p:stCondLst>
+                                  <p:childTnLst>
+                                    <p:set>
+                                      <p:cBhvr>
+                                        <p:cTn id="30" dur="1" fill="hold">
+                                          <p:stCondLst>
+                                            <p:cond delay="0"/>
+                                          </p:stCondLst>
+                                        </p:cTn>
+                                        <p:tgtEl>
+                                          <p:spTgt spid="3">
+                                            <p:txEl>
+                                              <p:pRg st="4" end="4"/>
+                                            </p:txEl>
+                                          </p:spTgt>
+                                        </p:tgtEl>
+                                        <p:attrNameLst>
+                                          <p:attrName>style.visibility</p:attrName>
+                                        </p:attrNameLst>
+                                      </p:cBhvr>
+                                      <p:to>
+                                        <p:strVal val="visible"/>
+                                      </p:to>
+                                    </p:set>
+                                    <p:anim calcmode="lin" valueType="num">
+                                      <p:cBhvr additive="base">
+                                        <p:cTn id="31" dur="500" fill="hold"/>
+                                        <p:tgtEl>
+                                          <p:spTgt spid="3">
+                                            <p:txEl>
+                                              <p:pRg st="4" end="4"/>
+                                            </p:txEl>
+                                          </p:spTgt>
+                                        </p:tgtEl>
+                                        <p:attrNameLst>
+                                          <p:attrName>ppt_x</p:attrName>
+                                        </p:attrNameLst>
+                                      </p:cBhvr>
+                                      <p:tavLst>
+                                        <p:tav tm="0">
+                                          <p:val>
+                                            <p:strVal val="#ppt_x"/>
+                                          </p:val>
+                                        </p:tav>
+                                        <p:tav tm="100000">
+                                          <p:val>
+                                            <p:strVal val="#ppt_x"/>
+                                          </p:val>
+                                        </p:tav>
+                                      </p:tavLst>
+                                    </p:anim>
+                                    <p:anim calcmode="lin" valueType="num">
+                                      <p:cBhvr additive="base">
+                                        <p:cTn id="32" dur="500" fill="hold"/>
+                                        <p:tgtEl>
+                                          <p:spTgt spid="3">
+                                            <p:txEl>
+                                              <p:pRg st="4" end="4"/>
                                             </p:txEl>
                                           </p:spTgt>
                                         </p:tgtEl>
@@ -8971,13 +9206,13 @@
   <p:clrMapOvr>
     <a:masterClrMapping/>
   </p:clrMapOvr>
-  <mc:AlternateContent xmlns:mc="http://schemas.openxmlformats.org/markup-compatibility/2006">
-    <mc:Choice xmlns:p159="http://schemas.microsoft.com/office/powerpoint/2015/09/main" Requires="p159">
+  <mc:AlternateContent xmlns:mc="http://schemas.openxmlformats.org/markup-compatibility/2006" xmlns:p159="http://schemas.microsoft.com/office/powerpoint/2015/09/main">
+    <mc:Choice Requires="p159">
       <p:transition xmlns:p14="http://schemas.microsoft.com/office/powerpoint/2010/main" spd="slow" p14:dur="2000">
         <p159:morph option="byObject"/>
       </p:transition>
     </mc:Choice>
-    <mc:Fallback>
+    <mc:Fallback xmlns="">
       <p:transition spd="slow">
         <p:fade/>
       </p:transition>
